--- a/development/AdvancedDNASeq/slides/Part5_PopGenAssn.pptx
+++ b/development/AdvancedDNASeq/slides/Part5_PopGenAssn.pptx
@@ -7116,7 +7116,21 @@
                 <a:latin typeface="Courier"/>
                 <a:cs typeface="Courier"/>
               </a:rPr>
-              <a:t> hapmap1.fam</a:t>
+              <a:t> </a:t>
+            </a:r>
+            <a:r>
+              <a:rPr lang="en-US" sz="2400" dirty="0" smtClean="0">
+                <a:latin typeface="Courier"/>
+                <a:cs typeface="Courier"/>
+              </a:rPr>
+              <a:t>input/hapmap1/hapmap1</a:t>
+            </a:r>
+            <a:r>
+              <a:rPr lang="en-US" sz="2400" dirty="0" smtClean="0">
+                <a:latin typeface="Courier"/>
+                <a:cs typeface="Courier"/>
+              </a:rPr>
+              <a:t>.fam</a:t>
             </a:r>
           </a:p>
         </p:txBody>
@@ -7224,7 +7238,14 @@
                 <a:latin typeface="Courier"/>
                 <a:cs typeface="Courier"/>
               </a:rPr>
-              <a:t># Step 3: Filtering. First, we'll look at rates</a:t>
+              <a:t># </a:t>
+            </a:r>
+            <a:r>
+              <a:rPr lang="en-US" sz="2400" dirty="0" smtClean="0">
+                <a:latin typeface="Courier"/>
+                <a:cs typeface="Courier"/>
+              </a:rPr>
+              <a:t>Step 3: Filtering. First, we'll look at rates</a:t>
             </a:r>
           </a:p>
           <a:p>
@@ -7262,8 +7283,59 @@
                 <a:latin typeface="Courier"/>
                 <a:cs typeface="Courier"/>
               </a:rPr>
-              <a:t> hapmap1 --missing</a:t>
-            </a:r>
+              <a:t> </a:t>
+            </a:r>
+            <a:r>
+              <a:rPr lang="en-US" sz="2400" dirty="0" smtClean="0">
+                <a:latin typeface="Courier"/>
+                <a:cs typeface="Courier"/>
+              </a:rPr>
+              <a:t>input/hapmap1/hapmap1 \</a:t>
+            </a:r>
+          </a:p>
+          <a:p>
+            <a:pPr marL="0" indent="0">
+              <a:buNone/>
+            </a:pPr>
+            <a:r>
+              <a:rPr lang="en-US" sz="2400" dirty="0">
+                <a:latin typeface="Courier"/>
+                <a:cs typeface="Courier"/>
+              </a:rPr>
+              <a:t> </a:t>
+            </a:r>
+            <a:r>
+              <a:rPr lang="en-US" sz="2400" dirty="0" smtClean="0">
+                <a:latin typeface="Courier"/>
+                <a:cs typeface="Courier"/>
+              </a:rPr>
+              <a:t> </a:t>
+            </a:r>
+            <a:r>
+              <a:rPr lang="en-US" sz="2400" dirty="0" smtClean="0">
+                <a:latin typeface="Courier"/>
+                <a:cs typeface="Courier"/>
+              </a:rPr>
+              <a:t>-</a:t>
+            </a:r>
+            <a:r>
+              <a:rPr lang="en-US" sz="2400" dirty="0" smtClean="0">
+                <a:latin typeface="Courier"/>
+                <a:cs typeface="Courier"/>
+              </a:rPr>
+              <a:t>-</a:t>
+            </a:r>
+            <a:r>
+              <a:rPr lang="en-US" sz="2400" dirty="0" smtClean="0">
+                <a:latin typeface="Courier"/>
+                <a:cs typeface="Courier"/>
+              </a:rPr>
+              <a:t>missing --out output/hapmap1</a:t>
+            </a:r>
+            <a:endParaRPr lang="en-US" sz="2400" dirty="0" smtClean="0">
+              <a:latin typeface="Courier"/>
+              <a:cs typeface="Courier"/>
+            </a:endParaRPr>
           </a:p>
           <a:p>
             <a:pPr marL="0" indent="0">
@@ -7295,19 +7367,29 @@
                 <a:latin typeface="Courier"/>
                 <a:cs typeface="Courier"/>
               </a:rPr>
-              <a:t>$ less </a:t>
-            </a:r>
-            <a:r>
-              <a:rPr lang="en-US" sz="2400" dirty="0" err="1" smtClean="0">
-                <a:latin typeface="Courier"/>
-                <a:cs typeface="Courier"/>
-              </a:rPr>
-              <a:t>plink.lmiss</a:t>
-            </a:r>
-            <a:endParaRPr lang="en-US" sz="2400" dirty="0" smtClean="0">
-              <a:latin typeface="Courier"/>
-              <a:cs typeface="Courier"/>
-            </a:endParaRPr>
+              <a:t>$ </a:t>
+            </a:r>
+            <a:r>
+              <a:rPr lang="en-US" sz="2400" dirty="0">
+                <a:latin typeface="Courier"/>
+                <a:cs typeface="Courier"/>
+              </a:rPr>
+              <a:t>less output/</a:t>
+            </a:r>
+            <a:r>
+              <a:rPr lang="en-US" sz="2400" dirty="0" smtClean="0">
+                <a:latin typeface="Courier"/>
+                <a:cs typeface="Courier"/>
+              </a:rPr>
+              <a:t>hapmap1</a:t>
+            </a:r>
+            <a:r>
+              <a:rPr lang="en-US" sz="2400" dirty="0" smtClean="0">
+                <a:latin typeface="Courier"/>
+                <a:cs typeface="Courier"/>
+              </a:rPr>
+              <a:t>.lmiss</a:t>
+            </a:r>
           </a:p>
           <a:p>
             <a:pPr marL="0" indent="0">
@@ -7318,19 +7400,43 @@
                 <a:latin typeface="Courier"/>
                 <a:cs typeface="Courier"/>
               </a:rPr>
-              <a:t>$ less </a:t>
-            </a:r>
-            <a:r>
-              <a:rPr lang="en-US" sz="2400" dirty="0" err="1" smtClean="0">
-                <a:latin typeface="Courier"/>
-                <a:cs typeface="Courier"/>
-              </a:rPr>
-              <a:t>plink.imiss</a:t>
-            </a:r>
-            <a:endParaRPr lang="en-US" sz="2400" dirty="0" smtClean="0">
-              <a:latin typeface="Courier"/>
-              <a:cs typeface="Courier"/>
-            </a:endParaRPr>
+              <a:t>$ </a:t>
+            </a:r>
+            <a:r>
+              <a:rPr lang="en-US" sz="2400" dirty="0" smtClean="0">
+                <a:latin typeface="Courier"/>
+                <a:cs typeface="Courier"/>
+              </a:rPr>
+              <a:t>less </a:t>
+            </a:r>
+            <a:r>
+              <a:rPr lang="en-US" sz="2400" dirty="0">
+                <a:latin typeface="Courier"/>
+                <a:cs typeface="Courier"/>
+              </a:rPr>
+              <a:t>output/</a:t>
+            </a:r>
+            <a:r>
+              <a:rPr lang="en-US" sz="2400" dirty="0" smtClean="0">
+                <a:latin typeface="Courier"/>
+                <a:cs typeface="Courier"/>
+              </a:rPr>
+              <a:t>hapmap1</a:t>
+            </a:r>
+            <a:r>
+              <a:rPr lang="en-US" sz="2400" dirty="0" smtClean="0">
+                <a:latin typeface="Courier"/>
+                <a:cs typeface="Courier"/>
+              </a:rPr>
+              <a:t>.</a:t>
+            </a:r>
+            <a:r>
+              <a:rPr lang="en-US" sz="2400" dirty="0" smtClean="0">
+                <a:latin typeface="Courier"/>
+                <a:cs typeface="Courier"/>
+              </a:rPr>
+              <a:t>imiss</a:t>
+            </a:r>
           </a:p>
           <a:p>
             <a:pPr marL="0" indent="0">
@@ -7808,7 +7914,54 @@
                 <a:latin typeface="Courier"/>
                 <a:cs typeface="Courier"/>
               </a:rPr>
-              <a:t> hapmap1 --</a:t>
+              <a:t> </a:t>
+            </a:r>
+            <a:r>
+              <a:rPr lang="en-US" sz="2400" dirty="0" smtClean="0">
+                <a:latin typeface="Courier"/>
+                <a:cs typeface="Courier"/>
+              </a:rPr>
+              <a:t>input/hapmap1/</a:t>
+            </a:r>
+            <a:r>
+              <a:rPr lang="en-US" sz="2400" dirty="0" smtClean="0">
+                <a:latin typeface="Courier"/>
+                <a:cs typeface="Courier"/>
+              </a:rPr>
+              <a:t>hapmap1 \</a:t>
+            </a:r>
+          </a:p>
+          <a:p>
+            <a:pPr marL="0" indent="0">
+              <a:buNone/>
+            </a:pPr>
+            <a:r>
+              <a:rPr lang="en-US" sz="2400" dirty="0">
+                <a:latin typeface="Courier"/>
+                <a:cs typeface="Courier"/>
+              </a:rPr>
+              <a:t> </a:t>
+            </a:r>
+            <a:r>
+              <a:rPr lang="en-US" sz="2400" dirty="0" smtClean="0">
+                <a:latin typeface="Courier"/>
+                <a:cs typeface="Courier"/>
+              </a:rPr>
+              <a:t> </a:t>
+            </a:r>
+            <a:r>
+              <a:rPr lang="en-US" sz="2400" dirty="0" smtClean="0">
+                <a:latin typeface="Courier"/>
+                <a:cs typeface="Courier"/>
+              </a:rPr>
+              <a:t>-</a:t>
+            </a:r>
+            <a:r>
+              <a:rPr lang="en-US" sz="2400" dirty="0" smtClean="0">
+                <a:latin typeface="Courier"/>
+                <a:cs typeface="Courier"/>
+              </a:rPr>
+              <a:t>-</a:t>
             </a:r>
             <a:r>
               <a:rPr lang="en-US" sz="2400" dirty="0" err="1" smtClean="0">
@@ -7822,7 +7975,28 @@
                 <a:latin typeface="Courier"/>
                 <a:cs typeface="Courier"/>
               </a:rPr>
-              <a:t> 0.1 \</a:t>
+              <a:t> 0.1 </a:t>
+            </a:r>
+            <a:r>
+              <a:rPr lang="en-US" sz="2400" dirty="0" smtClean="0">
+                <a:latin typeface="Courier"/>
+                <a:cs typeface="Courier"/>
+              </a:rPr>
+              <a:t>-</a:t>
+            </a:r>
+            <a:r>
+              <a:rPr lang="en-US" sz="2400" dirty="0" smtClean="0">
+                <a:latin typeface="Courier"/>
+                <a:cs typeface="Courier"/>
+              </a:rPr>
+              <a:t>-make-bed </a:t>
+            </a:r>
+            <a:r>
+              <a:rPr lang="en-US" sz="2400" dirty="0" smtClean="0">
+                <a:latin typeface="Courier"/>
+                <a:cs typeface="Courier"/>
+              </a:rPr>
+              <a:t>\</a:t>
             </a:r>
           </a:p>
           <a:p>
@@ -7841,8 +8015,33 @@
                 <a:latin typeface="Courier"/>
                 <a:cs typeface="Courier"/>
               </a:rPr>
-              <a:t> --make-bed --out hapmap1_filtered</a:t>
-            </a:r>
+              <a:t> </a:t>
+            </a:r>
+            <a:r>
+              <a:rPr lang="en-US" sz="2400" dirty="0" smtClean="0">
+                <a:latin typeface="Courier"/>
+                <a:cs typeface="Courier"/>
+              </a:rPr>
+              <a:t>-</a:t>
+            </a:r>
+            <a:r>
+              <a:rPr lang="en-US" sz="2400" dirty="0" smtClean="0">
+                <a:latin typeface="Courier"/>
+                <a:cs typeface="Courier"/>
+              </a:rPr>
+              <a:t>-out </a:t>
+            </a:r>
+            <a:r>
+              <a:rPr lang="en-US" sz="2400" dirty="0" smtClean="0">
+                <a:latin typeface="Courier"/>
+                <a:cs typeface="Courier"/>
+              </a:rPr>
+              <a:t>output/hapmap1_filtered</a:t>
+            </a:r>
+            <a:endParaRPr lang="en-US" sz="2400" dirty="0" smtClean="0">
+              <a:latin typeface="Courier"/>
+              <a:cs typeface="Courier"/>
+            </a:endParaRPr>
           </a:p>
           <a:p>
             <a:pPr marL="0" indent="0">
@@ -8179,21 +8378,47 @@
                 <a:latin typeface="Courier"/>
                 <a:cs typeface="Courier"/>
               </a:rPr>
-              <a:t> hapmap1</a:t>
-            </a:r>
+              <a:t> </a:t>
+            </a:r>
+            <a:r>
+              <a:rPr lang="en-US" sz="2400" dirty="0" smtClean="0">
+                <a:latin typeface="Courier"/>
+                <a:cs typeface="Courier"/>
+              </a:rPr>
+              <a:t>output/hapmap1_filtered \</a:t>
+            </a:r>
+          </a:p>
+          <a:p>
+            <a:pPr marL="0" indent="0">
+              <a:buNone/>
+            </a:pPr>
             <a:r>
               <a:rPr lang="en-US" sz="2400" dirty="0">
                 <a:latin typeface="Courier"/>
                 <a:cs typeface="Courier"/>
               </a:rPr>
-              <a:t>_filtered</a:t>
-            </a:r>
-            <a:r>
-              <a:rPr lang="en-US" sz="2400" dirty="0" smtClean="0">
-                <a:latin typeface="Courier"/>
-                <a:cs typeface="Courier"/>
-              </a:rPr>
-              <a:t> --</a:t>
+              <a:t> </a:t>
+            </a:r>
+            <a:r>
+              <a:rPr lang="en-US" sz="2400" dirty="0" smtClean="0">
+                <a:latin typeface="Courier"/>
+                <a:cs typeface="Courier"/>
+              </a:rPr>
+              <a:t> </a:t>
+            </a:r>
+            <a:r>
+              <a:rPr lang="en-US" sz="2400" dirty="0" smtClean="0">
+                <a:latin typeface="Courier"/>
+                <a:cs typeface="Courier"/>
+              </a:rPr>
+              <a:t>-</a:t>
+            </a:r>
+            <a:r>
+              <a:rPr lang="en-US" sz="2400" dirty="0" smtClean="0">
+                <a:latin typeface="Courier"/>
+                <a:cs typeface="Courier"/>
+              </a:rPr>
+              <a:t>-</a:t>
             </a:r>
             <a:r>
               <a:rPr lang="en-US" sz="2400" dirty="0" err="1" smtClean="0">
@@ -8207,18 +8432,6 @@
                 <a:latin typeface="Courier"/>
                 <a:cs typeface="Courier"/>
               </a:rPr>
-              <a:t> \</a:t>
-            </a:r>
-          </a:p>
-          <a:p>
-            <a:pPr marL="0" indent="0">
-              <a:buNone/>
-            </a:pPr>
-            <a:r>
-              <a:rPr lang="en-US" sz="2400" dirty="0">
-                <a:latin typeface="Courier"/>
-                <a:cs typeface="Courier"/>
-              </a:rPr>
               <a:t> </a:t>
             </a:r>
             <a:r>
@@ -8226,7 +8439,21 @@
                 <a:latin typeface="Courier"/>
                 <a:cs typeface="Courier"/>
               </a:rPr>
-              <a:t> --within </a:t>
+              <a:t>-</a:t>
+            </a:r>
+            <a:r>
+              <a:rPr lang="en-US" sz="2400" dirty="0" smtClean="0">
+                <a:latin typeface="Courier"/>
+                <a:cs typeface="Courier"/>
+              </a:rPr>
+              <a:t>-within </a:t>
+            </a:r>
+            <a:r>
+              <a:rPr lang="en-US" sz="2400" dirty="0" smtClean="0">
+                <a:latin typeface="Courier"/>
+                <a:cs typeface="Courier"/>
+              </a:rPr>
+              <a:t>input/hapmap1/</a:t>
             </a:r>
             <a:r>
               <a:rPr lang="en-US" sz="2400" dirty="0" err="1" smtClean="0">
@@ -8545,32 +8772,25 @@
                 <a:latin typeface="Courier"/>
                 <a:cs typeface="Courier"/>
               </a:rPr>
-              <a:t> hapmap1</a:t>
-            </a:r>
+              <a:t> </a:t>
+            </a:r>
+            <a:r>
+              <a:rPr lang="en-US" sz="2400" dirty="0" smtClean="0">
+                <a:latin typeface="Courier"/>
+                <a:cs typeface="Courier"/>
+              </a:rPr>
+              <a:t>output/hapmap1_filtered \</a:t>
+            </a:r>
+          </a:p>
+          <a:p>
+            <a:pPr marL="0" indent="0">
+              <a:buNone/>
+            </a:pPr>
             <a:r>
               <a:rPr lang="en-US" sz="2400" dirty="0">
                 <a:latin typeface="Courier"/>
                 <a:cs typeface="Courier"/>
               </a:rPr>
-              <a:t>_filtered</a:t>
-            </a:r>
-            <a:r>
-              <a:rPr lang="en-US" sz="2400" dirty="0" smtClean="0">
-                <a:latin typeface="Courier"/>
-                <a:cs typeface="Courier"/>
-              </a:rPr>
-              <a:t> --hardy \</a:t>
-            </a:r>
-          </a:p>
-          <a:p>
-            <a:pPr marL="0" indent="0">
-              <a:buNone/>
-            </a:pPr>
-            <a:r>
-              <a:rPr lang="en-US" sz="2400" dirty="0">
-                <a:latin typeface="Courier"/>
-                <a:cs typeface="Courier"/>
-              </a:rPr>
               <a:t> </a:t>
             </a:r>
             <a:r>
@@ -8578,7 +8798,42 @@
                 <a:latin typeface="Courier"/>
                 <a:cs typeface="Courier"/>
               </a:rPr>
-              <a:t> --within </a:t>
+              <a:t> </a:t>
+            </a:r>
+            <a:r>
+              <a:rPr lang="en-US" sz="2400" dirty="0" smtClean="0">
+                <a:latin typeface="Courier"/>
+                <a:cs typeface="Courier"/>
+              </a:rPr>
+              <a:t>-</a:t>
+            </a:r>
+            <a:r>
+              <a:rPr lang="en-US" sz="2400" dirty="0" smtClean="0">
+                <a:latin typeface="Courier"/>
+                <a:cs typeface="Courier"/>
+              </a:rPr>
+              <a:t>-hardy </a:t>
+            </a:r>
+            <a:r>
+              <a:rPr lang="en-US" sz="2400" dirty="0" smtClean="0">
+                <a:latin typeface="Courier"/>
+                <a:cs typeface="Courier"/>
+              </a:rPr>
+              <a:t>-</a:t>
+            </a:r>
+            <a:r>
+              <a:rPr lang="en-US" sz="2400" dirty="0" smtClean="0">
+                <a:latin typeface="Courier"/>
+                <a:cs typeface="Courier"/>
+              </a:rPr>
+              <a:t>-within </a:t>
+            </a:r>
+            <a:r>
+              <a:rPr lang="en-US" sz="2400" dirty="0" smtClean="0">
+                <a:latin typeface="Courier"/>
+                <a:cs typeface="Courier"/>
+              </a:rPr>
+              <a:t>input/hapmap1/</a:t>
             </a:r>
             <a:r>
               <a:rPr lang="en-US" sz="2400" dirty="0" err="1" smtClean="0">
@@ -9017,21 +9272,26 @@
                 <a:latin typeface="Courier"/>
                 <a:cs typeface="Courier"/>
               </a:rPr>
-              <a:t> hapmap1</a:t>
-            </a:r>
-            <a:r>
-              <a:rPr lang="en-US" sz="2400" dirty="0">
-                <a:latin typeface="Courier"/>
-                <a:cs typeface="Courier"/>
-              </a:rPr>
-              <a:t>_filtered</a:t>
-            </a:r>
-            <a:r>
-              <a:rPr lang="en-US" sz="2400" dirty="0" smtClean="0">
-                <a:latin typeface="Courier"/>
-                <a:cs typeface="Courier"/>
-              </a:rPr>
-              <a:t> --check-sex</a:t>
+              <a:t> output/hapmap1_filtered \</a:t>
+            </a:r>
+          </a:p>
+          <a:p>
+            <a:pPr marL="0" indent="0">
+              <a:buNone/>
+            </a:pPr>
+            <a:r>
+              <a:rPr lang="en-US" sz="2400" dirty="0" smtClean="0">
+                <a:latin typeface="Courier"/>
+                <a:cs typeface="Courier"/>
+              </a:rPr>
+              <a:t>  </a:t>
+            </a:r>
+            <a:r>
+              <a:rPr lang="en-US" sz="2400" dirty="0" smtClean="0">
+                <a:latin typeface="Courier"/>
+                <a:cs typeface="Courier"/>
+              </a:rPr>
+              <a:t>--check-sex --out output/hapmap1</a:t>
             </a:r>
           </a:p>
           <a:p>
@@ -9091,7 +9351,7 @@
         </p:blipFill>
         <p:spPr>
           <a:xfrm>
-            <a:off x="1041400" y="4229100"/>
+            <a:off x="1041400" y="4749800"/>
             <a:ext cx="7061200" cy="609600"/>
           </a:xfrm>
           <a:prstGeom prst="rect">
@@ -9240,7 +9500,21 @@
                 <a:latin typeface="Courier"/>
                 <a:cs typeface="Courier"/>
               </a:rPr>
-              <a:t> hapmap1_filtered \</a:t>
+              <a:t> </a:t>
+            </a:r>
+            <a:r>
+              <a:rPr lang="en-US" sz="2400" dirty="0" smtClean="0">
+                <a:latin typeface="Courier"/>
+                <a:cs typeface="Courier"/>
+              </a:rPr>
+              <a:t>output/hapmap1_filtered </a:t>
+            </a:r>
+            <a:r>
+              <a:rPr lang="en-US" sz="2400" dirty="0" smtClean="0">
+                <a:latin typeface="Courier"/>
+                <a:cs typeface="Courier"/>
+              </a:rPr>
+              <a:t>\</a:t>
             </a:r>
           </a:p>
           <a:p>
@@ -9266,7 +9540,14 @@
                 <a:latin typeface="Courier"/>
                 <a:cs typeface="Courier"/>
               </a:rPr>
-              <a:t> --out hapmap1_good</a:t>
+              <a:t> </a:t>
+            </a:r>
+            <a:r>
+              <a:rPr lang="en-US" sz="2400" dirty="0" smtClean="0">
+                <a:latin typeface="Courier"/>
+                <a:cs typeface="Courier"/>
+              </a:rPr>
+              <a:t>--make-bed \</a:t>
             </a:r>
           </a:p>
           <a:p>
@@ -9280,12 +9561,56 @@
               </a:rPr>
               <a:t> </a:t>
             </a:r>
+            <a:r>
+              <a:rPr lang="en-US" sz="2400" dirty="0" smtClean="0">
+                <a:latin typeface="Courier"/>
+                <a:cs typeface="Courier"/>
+              </a:rPr>
+              <a:t> </a:t>
+            </a:r>
+            <a:r>
+              <a:rPr lang="en-US" sz="2400" dirty="0" smtClean="0">
+                <a:latin typeface="Courier"/>
+                <a:cs typeface="Courier"/>
+              </a:rPr>
+              <a:t>-</a:t>
+            </a:r>
+            <a:r>
+              <a:rPr lang="en-US" sz="2400" dirty="0" smtClean="0">
+                <a:latin typeface="Courier"/>
+                <a:cs typeface="Courier"/>
+              </a:rPr>
+              <a:t>-out </a:t>
+            </a:r>
+            <a:r>
+              <a:rPr lang="en-US" sz="2400" dirty="0" smtClean="0">
+                <a:latin typeface="Courier"/>
+                <a:cs typeface="Courier"/>
+              </a:rPr>
+              <a:t>output/hapmap1_good</a:t>
+            </a:r>
+            <a:endParaRPr lang="en-US" sz="2400" dirty="0" smtClean="0">
+              <a:latin typeface="Courier"/>
+              <a:cs typeface="Courier"/>
+            </a:endParaRPr>
           </a:p>
           <a:p>
             <a:pPr marL="0" indent="0">
               <a:buNone/>
             </a:pPr>
             <a:r>
+              <a:rPr lang="en-US" sz="2400" dirty="0">
+                <a:latin typeface="Courier"/>
+                <a:cs typeface="Courier"/>
+              </a:rPr>
+              <a:t> </a:t>
+            </a:r>
+          </a:p>
+          <a:p>
+            <a:pPr marL="0" indent="0">
+              <a:buNone/>
+            </a:pPr>
+            <a:r>
               <a:rPr lang="en-US" sz="2400" dirty="0" smtClean="0">
                 <a:latin typeface="Courier"/>
                 <a:cs typeface="Courier"/>
@@ -9316,7 +9641,21 @@
                 <a:latin typeface="Courier"/>
                 <a:cs typeface="Courier"/>
               </a:rPr>
-              <a:t> hapmap1_filetered \</a:t>
+              <a:t> </a:t>
+            </a:r>
+            <a:r>
+              <a:rPr lang="en-US" sz="2400" dirty="0" smtClean="0">
+                <a:latin typeface="Courier"/>
+                <a:cs typeface="Courier"/>
+              </a:rPr>
+              <a:t>output/hapmap1_filtered </a:t>
+            </a:r>
+            <a:r>
+              <a:rPr lang="en-US" sz="2400" dirty="0" smtClean="0">
+                <a:latin typeface="Courier"/>
+                <a:cs typeface="Courier"/>
+              </a:rPr>
+              <a:t>\</a:t>
             </a:r>
           </a:p>
           <a:p>
@@ -9335,7 +9674,54 @@
                 <a:latin typeface="Courier"/>
                 <a:cs typeface="Courier"/>
               </a:rPr>
-              <a:t> --impute-sex --make-bed --out hapmap1_good</a:t>
+              <a:t> --impute-sex --make-bed </a:t>
+            </a:r>
+            <a:r>
+              <a:rPr lang="en-US" sz="2400" dirty="0" smtClean="0">
+                <a:latin typeface="Courier"/>
+                <a:cs typeface="Courier"/>
+              </a:rPr>
+              <a:t>\</a:t>
+            </a:r>
+          </a:p>
+          <a:p>
+            <a:pPr marL="0" indent="0">
+              <a:buNone/>
+            </a:pPr>
+            <a:r>
+              <a:rPr lang="en-US" sz="2400" dirty="0">
+                <a:latin typeface="Courier"/>
+                <a:cs typeface="Courier"/>
+              </a:rPr>
+              <a:t> </a:t>
+            </a:r>
+            <a:r>
+              <a:rPr lang="en-US" sz="2400" dirty="0" smtClean="0">
+                <a:latin typeface="Courier"/>
+                <a:cs typeface="Courier"/>
+              </a:rPr>
+              <a:t> </a:t>
+            </a:r>
+            <a:r>
+              <a:rPr lang="en-US" sz="2400" dirty="0" smtClean="0">
+                <a:latin typeface="Courier"/>
+                <a:cs typeface="Courier"/>
+              </a:rPr>
+              <a:t>-</a:t>
+            </a:r>
+            <a:r>
+              <a:rPr lang="en-US" sz="2400" dirty="0" smtClean="0">
+                <a:latin typeface="Courier"/>
+                <a:cs typeface="Courier"/>
+              </a:rPr>
+              <a:t>-out </a:t>
+            </a:r>
+            <a:r>
+              <a:rPr lang="en-US" sz="2400" dirty="0" smtClean="0">
+                <a:latin typeface="Courier"/>
+                <a:cs typeface="Courier"/>
+              </a:rPr>
+              <a:t>output/hapmap1_good</a:t>
             </a:r>
             <a:endParaRPr lang="en-US" sz="2400" dirty="0">
               <a:latin typeface="Courier"/>
@@ -9509,7 +9895,47 @@
                 <a:latin typeface="Courier"/>
                 <a:cs typeface="Courier"/>
               </a:rPr>
-              <a:t> hapmap1_good --make-</a:t>
+              <a:t> </a:t>
+            </a:r>
+            <a:r>
+              <a:rPr lang="en-US" sz="2400" dirty="0" smtClean="0">
+                <a:latin typeface="Courier"/>
+                <a:cs typeface="Courier"/>
+              </a:rPr>
+              <a:t>output/hapmap1_good \</a:t>
+            </a:r>
+          </a:p>
+          <a:p>
+            <a:pPr marL="0" indent="0">
+              <a:buNone/>
+            </a:pPr>
+            <a:r>
+              <a:rPr lang="en-US" sz="2400" dirty="0">
+                <a:latin typeface="Courier"/>
+                <a:cs typeface="Courier"/>
+              </a:rPr>
+              <a:t> </a:t>
+            </a:r>
+            <a:r>
+              <a:rPr lang="en-US" sz="2400" dirty="0" smtClean="0">
+                <a:latin typeface="Courier"/>
+                <a:cs typeface="Courier"/>
+              </a:rPr>
+              <a:t> </a:t>
+            </a:r>
+            <a:r>
+              <a:rPr lang="en-US" sz="2400" dirty="0" smtClean="0">
+                <a:latin typeface="Courier"/>
+                <a:cs typeface="Courier"/>
+              </a:rPr>
+              <a:t>-</a:t>
+            </a:r>
+            <a:r>
+              <a:rPr lang="en-US" sz="2400" dirty="0" smtClean="0">
+                <a:latin typeface="Courier"/>
+                <a:cs typeface="Courier"/>
+              </a:rPr>
+              <a:t>-make-</a:t>
             </a:r>
             <a:r>
               <a:rPr lang="en-US" sz="2400" dirty="0" err="1" smtClean="0">
@@ -9523,8 +9949,19 @@
                 <a:latin typeface="Courier"/>
                 <a:cs typeface="Courier"/>
               </a:rPr>
-              <a:t> square</a:t>
-            </a:r>
+              <a:t> </a:t>
+            </a:r>
+            <a:r>
+              <a:rPr lang="en-US" sz="2400" dirty="0" smtClean="0">
+                <a:latin typeface="Courier"/>
+                <a:cs typeface="Courier"/>
+              </a:rPr>
+              <a:t>square --out output/hapmap1</a:t>
+            </a:r>
+            <a:endParaRPr lang="en-US" sz="2400" dirty="0" smtClean="0">
+              <a:latin typeface="Courier"/>
+              <a:cs typeface="Courier"/>
+            </a:endParaRPr>
           </a:p>
           <a:p>
             <a:pPr marL="0" indent="0">
@@ -9842,8 +10279,52 @@
                 <a:latin typeface="Courier"/>
                 <a:cs typeface="Courier"/>
               </a:rPr>
-              <a:t> hapmap1_good --genome</a:t>
-            </a:r>
+              <a:t> </a:t>
+            </a:r>
+            <a:r>
+              <a:rPr lang="en-US" sz="2400" dirty="0" smtClean="0">
+                <a:latin typeface="Courier"/>
+                <a:cs typeface="Courier"/>
+              </a:rPr>
+              <a:t>output/hapmap1_good </a:t>
+            </a:r>
+            <a:r>
+              <a:rPr lang="en-US" sz="2400" dirty="0" smtClean="0">
+                <a:latin typeface="Courier"/>
+                <a:cs typeface="Courier"/>
+              </a:rPr>
+              <a:t>--</a:t>
+            </a:r>
+            <a:r>
+              <a:rPr lang="en-US" sz="2400" dirty="0" smtClean="0">
+                <a:latin typeface="Courier"/>
+                <a:cs typeface="Courier"/>
+              </a:rPr>
+              <a:t>genome \</a:t>
+            </a:r>
+          </a:p>
+          <a:p>
+            <a:pPr marL="0" indent="0">
+              <a:buNone/>
+            </a:pPr>
+            <a:r>
+              <a:rPr lang="en-US" sz="2400" dirty="0">
+                <a:latin typeface="Courier"/>
+                <a:cs typeface="Courier"/>
+              </a:rPr>
+              <a:t> </a:t>
+            </a:r>
+            <a:r>
+              <a:rPr lang="en-US" sz="2400" dirty="0" smtClean="0">
+                <a:latin typeface="Courier"/>
+                <a:cs typeface="Courier"/>
+              </a:rPr>
+              <a:t> --out output/hapmap1</a:t>
+            </a:r>
+            <a:endParaRPr lang="en-US" sz="2400" dirty="0" smtClean="0">
+              <a:latin typeface="Courier"/>
+              <a:cs typeface="Courier"/>
+            </a:endParaRPr>
           </a:p>
           <a:p>
             <a:pPr marL="0" indent="0">
@@ -10195,7 +10676,7 @@
         </p:spPr>
         <p:txBody>
           <a:bodyPr>
-            <a:normAutofit/>
+            <a:normAutofit lnSpcReduction="10000"/>
           </a:bodyPr>
           <a:lstStyle/>
           <a:p>
@@ -10297,7 +10778,21 @@
                 <a:latin typeface="Courier"/>
                 <a:cs typeface="Courier"/>
               </a:rPr>
-              <a:t> hapmap1_good --cluster </a:t>
+              <a:t> </a:t>
+            </a:r>
+            <a:r>
+              <a:rPr lang="en-US" sz="2400" dirty="0" smtClean="0">
+                <a:latin typeface="Courier"/>
+                <a:cs typeface="Courier"/>
+              </a:rPr>
+              <a:t>output/hapmap1_good </a:t>
+            </a:r>
+            <a:r>
+              <a:rPr lang="en-US" sz="2400" dirty="0">
+                <a:latin typeface="Courier"/>
+                <a:cs typeface="Courier"/>
+              </a:rPr>
+              <a:t>--cluster </a:t>
             </a:r>
             <a:r>
               <a:rPr lang="en-US" sz="2400" dirty="0" smtClean="0">
@@ -10365,13 +10860,34 @@
                 <a:latin typeface="Courier"/>
                 <a:cs typeface="Courier"/>
               </a:rPr>
-              <a:t>5</a:t>
+              <a:t>5 \</a:t>
             </a:r>
           </a:p>
           <a:p>
             <a:pPr marL="0" indent="0">
               <a:buNone/>
             </a:pPr>
+            <a:r>
+              <a:rPr lang="en-US" sz="2400" dirty="0">
+                <a:latin typeface="Courier"/>
+                <a:cs typeface="Courier"/>
+              </a:rPr>
+              <a:t> </a:t>
+            </a:r>
+            <a:r>
+              <a:rPr lang="en-US" sz="2400" dirty="0" smtClean="0">
+                <a:latin typeface="Courier"/>
+                <a:cs typeface="Courier"/>
+              </a:rPr>
+              <a:t> </a:t>
+            </a:r>
+            <a:r>
+              <a:rPr lang="en-US" sz="2400" dirty="0" smtClean="0">
+                <a:latin typeface="Courier"/>
+                <a:cs typeface="Courier"/>
+              </a:rPr>
+              <a:t>--out output/hapmap1</a:t>
+            </a:r>
             <a:endParaRPr lang="en-US" sz="2400" dirty="0" smtClean="0">
               <a:latin typeface="Courier"/>
               <a:cs typeface="Courier"/>
@@ -10381,6 +10897,15 @@
             <a:pPr marL="0" indent="0">
               <a:buNone/>
             </a:pPr>
+            <a:endParaRPr lang="en-US" sz="2400" dirty="0" smtClean="0">
+              <a:latin typeface="Courier"/>
+              <a:cs typeface="Courier"/>
+            </a:endParaRPr>
+          </a:p>
+          <a:p>
+            <a:pPr marL="0" indent="0">
+              <a:buNone/>
+            </a:pPr>
             <a:r>
               <a:rPr lang="en-US" sz="2400" dirty="0" smtClean="0">
                 <a:latin typeface="Courier"/>
@@ -10412,7 +10937,14 @@
                 <a:latin typeface="Courier"/>
                 <a:cs typeface="Courier"/>
               </a:rPr>
-              <a:t> plink.cluster1</a:t>
+              <a:t> </a:t>
+            </a:r>
+            <a:r>
+              <a:rPr lang="en-US" sz="2400" dirty="0" smtClean="0">
+                <a:latin typeface="Courier"/>
+                <a:cs typeface="Courier"/>
+              </a:rPr>
+              <a:t>output/hapmap1.cluster1</a:t>
             </a:r>
             <a:endParaRPr lang="en-US" sz="2400" dirty="0">
               <a:latin typeface="Courier"/>
@@ -10902,7 +11434,40 @@
                 <a:latin typeface="Courier"/>
                 <a:cs typeface="Courier"/>
               </a:rPr>
-              <a:t>hapmap1_good --</a:t>
+              <a:t>output/hapmap1_good \</a:t>
+            </a:r>
+          </a:p>
+          <a:p>
+            <a:pPr marL="0" indent="0">
+              <a:buNone/>
+            </a:pPr>
+            <a:r>
+              <a:rPr lang="en-US" sz="2400" dirty="0">
+                <a:latin typeface="Courier"/>
+                <a:cs typeface="Courier"/>
+              </a:rPr>
+              <a:t> </a:t>
+            </a:r>
+            <a:r>
+              <a:rPr lang="en-US" sz="2400" dirty="0" smtClean="0">
+                <a:latin typeface="Courier"/>
+                <a:cs typeface="Courier"/>
+              </a:rPr>
+              <a:t> </a:t>
+            </a:r>
+            <a:r>
+              <a:rPr lang="en-US" sz="2400" dirty="0" smtClean="0">
+                <a:latin typeface="Courier"/>
+                <a:cs typeface="Courier"/>
+              </a:rPr>
+              <a:t>-</a:t>
+            </a:r>
+            <a:r>
+              <a:rPr lang="en-US" sz="2400" dirty="0" smtClean="0">
+                <a:latin typeface="Courier"/>
+                <a:cs typeface="Courier"/>
+              </a:rPr>
+              <a:t>-</a:t>
             </a:r>
             <a:r>
               <a:rPr lang="en-US" sz="2400" dirty="0" err="1" smtClean="0">
@@ -10916,41 +11481,40 @@
                 <a:latin typeface="Courier"/>
                 <a:cs typeface="Courier"/>
               </a:rPr>
-              <a:t> perm \</a:t>
-            </a:r>
-          </a:p>
-          <a:p>
-            <a:pPr marL="0" indent="0">
-              <a:buNone/>
-            </a:pPr>
-            <a:r>
-              <a:rPr lang="en-US" sz="2400" dirty="0">
-                <a:latin typeface="Courier"/>
-                <a:cs typeface="Courier"/>
-              </a:rPr>
-              <a:t> </a:t>
-            </a:r>
-            <a:r>
-              <a:rPr lang="en-US" sz="2400" dirty="0" smtClean="0">
-                <a:latin typeface="Courier"/>
-                <a:cs typeface="Courier"/>
-              </a:rPr>
-              <a:t> </a:t>
+              <a:t> perm </a:t>
             </a:r>
             <a:r>
               <a:rPr lang="mr-IN" sz="2400" dirty="0" smtClean="0">
                 <a:latin typeface="Courier"/>
                 <a:cs typeface="Courier"/>
               </a:rPr>
-              <a:t>--</a:t>
-            </a:r>
-            <a:r>
-              <a:rPr lang="en-US" sz="2400" dirty="0" smtClean="0">
-                <a:latin typeface="Courier"/>
-                <a:cs typeface="Courier"/>
-              </a:rPr>
-              <a:t>adjust --out hapmap1 </a:t>
-            </a:r>
+              <a:t>-</a:t>
+            </a:r>
+            <a:r>
+              <a:rPr lang="mr-IN" sz="2400" dirty="0" smtClean="0">
+                <a:latin typeface="Courier"/>
+                <a:cs typeface="Courier"/>
+              </a:rPr>
+              <a:t>-</a:t>
+            </a:r>
+            <a:r>
+              <a:rPr lang="en-US" sz="2400" dirty="0" smtClean="0">
+                <a:latin typeface="Courier"/>
+                <a:cs typeface="Courier"/>
+              </a:rPr>
+              <a:t>adjust --out </a:t>
+            </a:r>
+            <a:r>
+              <a:rPr lang="en-US" sz="2400" dirty="0" smtClean="0">
+                <a:latin typeface="Courier"/>
+                <a:cs typeface="Courier"/>
+              </a:rPr>
+              <a:t>output/hapmap1 </a:t>
+            </a:r>
+            <a:endParaRPr lang="en-US" sz="2400" dirty="0" smtClean="0">
+              <a:latin typeface="Courier"/>
+              <a:cs typeface="Courier"/>
+            </a:endParaRPr>
           </a:p>
           <a:p>
             <a:pPr marL="0" indent="0">
@@ -11703,7 +12267,21 @@
                 <a:latin typeface="Courier"/>
                 <a:cs typeface="Courier"/>
               </a:rPr>
-              <a:t>hapmap1_good --model --cell 0 \</a:t>
+              <a:t>output/hapmap1_good </a:t>
+            </a:r>
+            <a:r>
+              <a:rPr lang="en-US" sz="2400" dirty="0" smtClean="0">
+                <a:latin typeface="Courier"/>
+                <a:cs typeface="Courier"/>
+              </a:rPr>
+              <a:t>--model </a:t>
+            </a:r>
+            <a:r>
+              <a:rPr lang="en-US" sz="2400" dirty="0" smtClean="0">
+                <a:latin typeface="Courier"/>
+                <a:cs typeface="Courier"/>
+              </a:rPr>
+              <a:t>\</a:t>
             </a:r>
           </a:p>
           <a:p>
@@ -11711,11 +12289,46 @@
               <a:buNone/>
             </a:pPr>
             <a:r>
-              <a:rPr lang="en-US" sz="2400" dirty="0" smtClean="0">
-                <a:latin typeface="Courier"/>
-                <a:cs typeface="Courier"/>
-              </a:rPr>
-              <a:t>  --</a:t>
+              <a:rPr lang="en-US" sz="2400" dirty="0">
+                <a:latin typeface="Courier"/>
+                <a:cs typeface="Courier"/>
+              </a:rPr>
+              <a:t> </a:t>
+            </a:r>
+            <a:r>
+              <a:rPr lang="en-US" sz="2400" dirty="0" smtClean="0">
+                <a:latin typeface="Courier"/>
+                <a:cs typeface="Courier"/>
+              </a:rPr>
+              <a:t> </a:t>
+            </a:r>
+            <a:r>
+              <a:rPr lang="en-US" sz="2400" dirty="0" smtClean="0">
+                <a:latin typeface="Courier"/>
+                <a:cs typeface="Courier"/>
+              </a:rPr>
+              <a:t>-</a:t>
+            </a:r>
+            <a:r>
+              <a:rPr lang="en-US" sz="2400" dirty="0" smtClean="0">
+                <a:latin typeface="Courier"/>
+                <a:cs typeface="Courier"/>
+              </a:rPr>
+              <a:t>-cell 0 </a:t>
+            </a:r>
+            <a:r>
+              <a:rPr lang="en-US" sz="2400" dirty="0" smtClean="0">
+                <a:latin typeface="Courier"/>
+                <a:cs typeface="Courier"/>
+              </a:rPr>
+              <a:t>-</a:t>
+            </a:r>
+            <a:r>
+              <a:rPr lang="en-US" sz="2400" dirty="0" smtClean="0">
+                <a:latin typeface="Courier"/>
+                <a:cs typeface="Courier"/>
+              </a:rPr>
+              <a:t>-</a:t>
             </a:r>
             <a:r>
               <a:rPr lang="en-US" sz="2400" dirty="0" err="1" smtClean="0">
@@ -12146,158 +12759,144 @@
                 <a:latin typeface="Courier"/>
                 <a:cs typeface="Courier"/>
               </a:rPr>
-              <a:t># Association conditional on </a:t>
-            </a:r>
-            <a:r>
-              <a:rPr lang="en-US" sz="2400" dirty="0" smtClean="0">
-                <a:latin typeface="Courier"/>
-                <a:cs typeface="Courier"/>
-              </a:rPr>
-              <a:t>clusters. </a:t>
-            </a:r>
-            <a:r>
-              <a:rPr lang="en-US" sz="2400" dirty="0" smtClean="0">
-                <a:latin typeface="Courier"/>
-                <a:cs typeface="Courier"/>
-              </a:rPr>
-              <a:t>Here </a:t>
+              <a:t># Association conditional on clusters. Here </a:t>
+            </a:r>
+          </a:p>
+          <a:p>
+            <a:pPr marL="0" indent="0">
+              <a:buNone/>
+            </a:pPr>
+            <a:r>
+              <a:rPr lang="en-US" sz="2400" dirty="0" smtClean="0">
+                <a:latin typeface="Courier"/>
+                <a:cs typeface="Courier"/>
+              </a:rPr>
+              <a:t># we'll use the clusters generated earlier.</a:t>
+            </a:r>
+          </a:p>
+          <a:p>
+            <a:pPr marL="0" indent="0">
+              <a:buNone/>
+            </a:pPr>
+            <a:r>
+              <a:rPr lang="en-US" sz="2400" dirty="0" smtClean="0">
+                <a:latin typeface="Courier"/>
+                <a:cs typeface="Courier"/>
+              </a:rPr>
+              <a:t>$ </a:t>
+            </a:r>
+            <a:r>
+              <a:rPr lang="en-US" sz="2400" dirty="0">
+                <a:latin typeface="Courier"/>
+                <a:cs typeface="Courier"/>
+              </a:rPr>
+              <a:t>plink --</a:t>
+            </a:r>
+            <a:r>
+              <a:rPr lang="en-US" sz="2400" dirty="0" err="1">
+                <a:latin typeface="Courier"/>
+                <a:cs typeface="Courier"/>
+              </a:rPr>
+              <a:t>bfile</a:t>
+            </a:r>
+            <a:r>
+              <a:rPr lang="en-US" sz="2400" dirty="0">
+                <a:latin typeface="Courier"/>
+                <a:cs typeface="Courier"/>
+              </a:rPr>
+              <a:t> </a:t>
+            </a:r>
+            <a:r>
+              <a:rPr lang="en-US" sz="2400" dirty="0" smtClean="0">
+                <a:latin typeface="Courier"/>
+                <a:cs typeface="Courier"/>
+              </a:rPr>
+              <a:t>output/hapmap1_good </a:t>
+            </a:r>
+            <a:r>
+              <a:rPr lang="en-US" sz="2400" dirty="0" smtClean="0">
+                <a:latin typeface="Courier"/>
+                <a:cs typeface="Courier"/>
+              </a:rPr>
+              <a:t>--</a:t>
+            </a:r>
+            <a:r>
+              <a:rPr lang="en-US" sz="2400" dirty="0" err="1" smtClean="0">
+                <a:latin typeface="Courier"/>
+                <a:cs typeface="Courier"/>
+              </a:rPr>
+              <a:t>mh</a:t>
+            </a:r>
+            <a:r>
+              <a:rPr lang="en-US" sz="2400" dirty="0" smtClean="0">
+                <a:latin typeface="Courier"/>
+                <a:cs typeface="Courier"/>
+              </a:rPr>
+              <a:t> \</a:t>
+            </a:r>
+          </a:p>
+          <a:p>
+            <a:pPr marL="0" indent="0">
+              <a:buNone/>
+            </a:pPr>
+            <a:r>
+              <a:rPr lang="en-US" sz="2400" dirty="0">
+                <a:latin typeface="Courier"/>
+                <a:cs typeface="Courier"/>
+              </a:rPr>
+              <a:t> </a:t>
+            </a:r>
+            <a:r>
+              <a:rPr lang="en-US" sz="2400" dirty="0" smtClean="0">
+                <a:latin typeface="Courier"/>
+                <a:cs typeface="Courier"/>
+              </a:rPr>
+              <a:t> --within </a:t>
+            </a:r>
+            <a:r>
+              <a:rPr lang="en-US" sz="2400" dirty="0" smtClean="0">
+                <a:latin typeface="Courier"/>
+                <a:cs typeface="Courier"/>
+              </a:rPr>
+              <a:t>output/hapmap1.cluster2 </a:t>
+            </a:r>
+            <a:r>
+              <a:rPr lang="en-US" sz="2400" dirty="0" smtClean="0">
+                <a:latin typeface="Courier"/>
+                <a:cs typeface="Courier"/>
+              </a:rPr>
+              <a:t>\</a:t>
+            </a:r>
+          </a:p>
+          <a:p>
+            <a:pPr marL="0" indent="0">
+              <a:buNone/>
+            </a:pPr>
+            <a:r>
+              <a:rPr lang="en-US" sz="2400" dirty="0">
+                <a:latin typeface="Courier"/>
+                <a:cs typeface="Courier"/>
+              </a:rPr>
+              <a:t> </a:t>
+            </a:r>
+            <a:r>
+              <a:rPr lang="en-US" sz="2400" dirty="0" smtClean="0">
+                <a:latin typeface="Courier"/>
+                <a:cs typeface="Courier"/>
+              </a:rPr>
+              <a:t> --adjust --out </a:t>
+            </a:r>
+            <a:r>
+              <a:rPr lang="en-US" sz="2400" dirty="0" smtClean="0">
+                <a:latin typeface="Courier"/>
+                <a:cs typeface="Courier"/>
+              </a:rPr>
+              <a:t>output/hapmap1_cond</a:t>
             </a:r>
             <a:endParaRPr lang="en-US" sz="2400" dirty="0" smtClean="0">
               <a:latin typeface="Courier"/>
               <a:cs typeface="Courier"/>
             </a:endParaRPr>
-          </a:p>
-          <a:p>
-            <a:pPr marL="0" indent="0">
-              <a:buNone/>
-            </a:pPr>
-            <a:r>
-              <a:rPr lang="en-US" sz="2400" dirty="0" smtClean="0">
-                <a:latin typeface="Courier"/>
-                <a:cs typeface="Courier"/>
-              </a:rPr>
-              <a:t># </a:t>
-            </a:r>
-            <a:r>
-              <a:rPr lang="en-US" sz="2400" dirty="0" smtClean="0">
-                <a:latin typeface="Courier"/>
-                <a:cs typeface="Courier"/>
-              </a:rPr>
-              <a:t>we'll </a:t>
-            </a:r>
-            <a:r>
-              <a:rPr lang="en-US" sz="2400" dirty="0" smtClean="0">
-                <a:latin typeface="Courier"/>
-                <a:cs typeface="Courier"/>
-              </a:rPr>
-              <a:t>use the </a:t>
-            </a:r>
-            <a:r>
-              <a:rPr lang="en-US" sz="2400" dirty="0" smtClean="0">
-                <a:latin typeface="Courier"/>
-                <a:cs typeface="Courier"/>
-              </a:rPr>
-              <a:t>clusters generated </a:t>
-            </a:r>
-            <a:r>
-              <a:rPr lang="en-US" sz="2400" dirty="0" smtClean="0">
-                <a:latin typeface="Courier"/>
-                <a:cs typeface="Courier"/>
-              </a:rPr>
-              <a:t>earlier.</a:t>
-            </a:r>
-          </a:p>
-          <a:p>
-            <a:pPr marL="0" indent="0">
-              <a:buNone/>
-            </a:pPr>
-            <a:r>
-              <a:rPr lang="en-US" sz="2400" dirty="0" smtClean="0">
-                <a:latin typeface="Courier"/>
-                <a:cs typeface="Courier"/>
-              </a:rPr>
-              <a:t>$ </a:t>
-            </a:r>
-            <a:r>
-              <a:rPr lang="en-US" sz="2400" dirty="0">
-                <a:latin typeface="Courier"/>
-                <a:cs typeface="Courier"/>
-              </a:rPr>
-              <a:t>plink --</a:t>
-            </a:r>
-            <a:r>
-              <a:rPr lang="en-US" sz="2400" dirty="0" err="1">
-                <a:latin typeface="Courier"/>
-                <a:cs typeface="Courier"/>
-              </a:rPr>
-              <a:t>bfile</a:t>
-            </a:r>
-            <a:r>
-              <a:rPr lang="en-US" sz="2400" dirty="0">
-                <a:latin typeface="Courier"/>
-                <a:cs typeface="Courier"/>
-              </a:rPr>
-              <a:t> </a:t>
-            </a:r>
-            <a:r>
-              <a:rPr lang="en-US" sz="2400" dirty="0" smtClean="0">
-                <a:latin typeface="Courier"/>
-                <a:cs typeface="Courier"/>
-              </a:rPr>
-              <a:t>hapmap1_good --</a:t>
-            </a:r>
-            <a:r>
-              <a:rPr lang="en-US" sz="2400" dirty="0" err="1" smtClean="0">
-                <a:latin typeface="Courier"/>
-                <a:cs typeface="Courier"/>
-              </a:rPr>
-              <a:t>mh</a:t>
-            </a:r>
-            <a:r>
-              <a:rPr lang="en-US" sz="2400" dirty="0" smtClean="0">
-                <a:latin typeface="Courier"/>
-                <a:cs typeface="Courier"/>
-              </a:rPr>
-              <a:t> \</a:t>
-            </a:r>
-          </a:p>
-          <a:p>
-            <a:pPr marL="0" indent="0">
-              <a:buNone/>
-            </a:pPr>
-            <a:r>
-              <a:rPr lang="en-US" sz="2400" dirty="0">
-                <a:latin typeface="Courier"/>
-                <a:cs typeface="Courier"/>
-              </a:rPr>
-              <a:t> </a:t>
-            </a:r>
-            <a:r>
-              <a:rPr lang="en-US" sz="2400" dirty="0" smtClean="0">
-                <a:latin typeface="Courier"/>
-                <a:cs typeface="Courier"/>
-              </a:rPr>
-              <a:t> --within plink.cluster2 \</a:t>
-            </a:r>
-          </a:p>
-          <a:p>
-            <a:pPr marL="0" indent="0">
-              <a:buNone/>
-            </a:pPr>
-            <a:r>
-              <a:rPr lang="en-US" sz="2400" dirty="0">
-                <a:latin typeface="Courier"/>
-                <a:cs typeface="Courier"/>
-              </a:rPr>
-              <a:t> </a:t>
-            </a:r>
-            <a:r>
-              <a:rPr lang="en-US" sz="2400" dirty="0" smtClean="0">
-                <a:latin typeface="Courier"/>
-                <a:cs typeface="Courier"/>
-              </a:rPr>
-              <a:t> --adjust --out hapmap1_cond</a:t>
-            </a:r>
           </a:p>
         </p:txBody>
       </p:sp>
@@ -12588,7 +13187,14 @@
                 <a:latin typeface="Courier"/>
                 <a:cs typeface="Courier"/>
               </a:rPr>
-              <a:t>hapmap1_good --</a:t>
+              <a:t>output/hapmap1_good </a:t>
+            </a:r>
+            <a:r>
+              <a:rPr lang="en-US" sz="2400" dirty="0" smtClean="0">
+                <a:latin typeface="Courier"/>
+                <a:cs typeface="Courier"/>
+              </a:rPr>
+              <a:t>--</a:t>
             </a:r>
             <a:r>
               <a:rPr lang="en-US" sz="2400" dirty="0" err="1" smtClean="0">
@@ -12624,6 +13230,13 @@
               <a:t> --within </a:t>
             </a:r>
             <a:r>
+              <a:rPr lang="en-US" sz="2400" dirty="0" smtClean="0">
+                <a:latin typeface="Courier"/>
+                <a:cs typeface="Courier"/>
+              </a:rPr>
+              <a:t>input/hapmap1/</a:t>
+            </a:r>
+            <a:r>
               <a:rPr lang="en-US" sz="2400" dirty="0" err="1" smtClean="0">
                 <a:latin typeface="Courier"/>
                 <a:cs typeface="Courier"/>
@@ -12635,7 +13248,14 @@
                 <a:latin typeface="Courier"/>
                 <a:cs typeface="Courier"/>
               </a:rPr>
-              <a:t> \</a:t>
+              <a:t> </a:t>
+            </a:r>
+            <a:r>
+              <a:rPr lang="en-US" sz="2400" dirty="0" smtClean="0">
+                <a:latin typeface="Courier"/>
+                <a:cs typeface="Courier"/>
+              </a:rPr>
+              <a:t>\</a:t>
             </a:r>
           </a:p>
           <a:p>
@@ -12654,8 +13274,19 @@
                 <a:latin typeface="Courier"/>
                 <a:cs typeface="Courier"/>
               </a:rPr>
-              <a:t> --adjust --out hapmap1_cond2</a:t>
-            </a:r>
+              <a:t> --adjust --out </a:t>
+            </a:r>
+            <a:r>
+              <a:rPr lang="en-US" sz="2400" dirty="0" smtClean="0">
+                <a:latin typeface="Courier"/>
+                <a:cs typeface="Courier"/>
+              </a:rPr>
+              <a:t>output/hapmap1_cond2</a:t>
+            </a:r>
+            <a:endParaRPr lang="en-US" sz="2400" dirty="0" smtClean="0">
+              <a:latin typeface="Courier"/>
+              <a:cs typeface="Courier"/>
+            </a:endParaRPr>
           </a:p>
         </p:txBody>
       </p:sp>
@@ -12858,7 +13489,7 @@
         </p:spPr>
         <p:txBody>
           <a:bodyPr>
-            <a:normAutofit fontScale="92500" lnSpcReduction="10000"/>
+            <a:normAutofit fontScale="85000" lnSpcReduction="20000"/>
           </a:bodyPr>
           <a:lstStyle/>
           <a:p>
@@ -12955,7 +13586,14 @@
                 <a:latin typeface="Courier"/>
                 <a:cs typeface="Courier"/>
               </a:rPr>
-              <a:t>hapmap1_good --</a:t>
+              <a:t>output/hapmap1_good </a:t>
+            </a:r>
+            <a:r>
+              <a:rPr lang="en-US" sz="2400" dirty="0" smtClean="0">
+                <a:latin typeface="Courier"/>
+                <a:cs typeface="Courier"/>
+              </a:rPr>
+              <a:t>--</a:t>
             </a:r>
             <a:r>
               <a:rPr lang="en-US" sz="2400" dirty="0" err="1" smtClean="0">
@@ -13005,6 +13643,13 @@
               <a:t> </a:t>
             </a:r>
             <a:r>
+              <a:rPr lang="en-US" sz="2400" dirty="0" smtClean="0">
+                <a:latin typeface="Courier"/>
+                <a:cs typeface="Courier"/>
+              </a:rPr>
+              <a:t>input/hapmap1/</a:t>
+            </a:r>
+            <a:r>
               <a:rPr lang="en-US" sz="2400" dirty="0" err="1" smtClean="0">
                 <a:latin typeface="Courier"/>
                 <a:cs typeface="Courier"/>
@@ -13016,8 +13661,73 @@
                 <a:latin typeface="Courier"/>
                 <a:cs typeface="Courier"/>
               </a:rPr>
-              <a:t> --adjust --out hapmap1_qt</a:t>
-            </a:r>
+              <a:t> </a:t>
+            </a:r>
+            <a:r>
+              <a:rPr lang="en-US" sz="2400" dirty="0" smtClean="0">
+                <a:latin typeface="Courier"/>
+                <a:cs typeface="Courier"/>
+              </a:rPr>
+              <a:t>--adjust </a:t>
+            </a:r>
+            <a:r>
+              <a:rPr lang="en-US" sz="2400" dirty="0" smtClean="0">
+                <a:latin typeface="Courier"/>
+                <a:cs typeface="Courier"/>
+              </a:rPr>
+              <a:t>\</a:t>
+            </a:r>
+          </a:p>
+          <a:p>
+            <a:pPr marL="0" indent="0">
+              <a:buNone/>
+            </a:pPr>
+            <a:r>
+              <a:rPr lang="en-US" sz="2400" dirty="0">
+                <a:latin typeface="Courier"/>
+                <a:cs typeface="Courier"/>
+              </a:rPr>
+              <a:t> </a:t>
+            </a:r>
+            <a:r>
+              <a:rPr lang="en-US" sz="2400" dirty="0" smtClean="0">
+                <a:latin typeface="Courier"/>
+                <a:cs typeface="Courier"/>
+              </a:rPr>
+              <a:t> </a:t>
+            </a:r>
+            <a:r>
+              <a:rPr lang="en-US" sz="2400" dirty="0" smtClean="0">
+                <a:latin typeface="Courier"/>
+                <a:cs typeface="Courier"/>
+              </a:rPr>
+              <a:t>-</a:t>
+            </a:r>
+            <a:r>
+              <a:rPr lang="en-US" sz="2400" dirty="0" smtClean="0">
+                <a:latin typeface="Courier"/>
+                <a:cs typeface="Courier"/>
+              </a:rPr>
+              <a:t>-out </a:t>
+            </a:r>
+            <a:r>
+              <a:rPr lang="en-US" sz="2400" dirty="0" smtClean="0">
+                <a:latin typeface="Courier"/>
+                <a:cs typeface="Courier"/>
+              </a:rPr>
+              <a:t>output/</a:t>
+            </a:r>
+            <a:r>
+              <a:rPr lang="en-US" sz="2400" dirty="0" smtClean="0">
+                <a:latin typeface="Courier"/>
+                <a:cs typeface="Courier"/>
+              </a:rPr>
+              <a:t>hapmap1_qt</a:t>
+            </a:r>
+            <a:endParaRPr lang="en-US" sz="2400" dirty="0" smtClean="0">
+              <a:latin typeface="Courier"/>
+              <a:cs typeface="Courier"/>
+            </a:endParaRPr>
           </a:p>
           <a:p>
             <a:pPr marL="0" indent="0">
@@ -13083,7 +13793,47 @@
                 <a:latin typeface="Courier"/>
                 <a:cs typeface="Courier"/>
               </a:rPr>
-              <a:t> hapmap1_good --</a:t>
+              <a:t> </a:t>
+            </a:r>
+            <a:r>
+              <a:rPr lang="en-US" sz="2400" dirty="0" smtClean="0">
+                <a:latin typeface="Courier"/>
+                <a:cs typeface="Courier"/>
+              </a:rPr>
+              <a:t>output/hapmap1_good \</a:t>
+            </a:r>
+          </a:p>
+          <a:p>
+            <a:pPr marL="0" indent="0">
+              <a:buNone/>
+            </a:pPr>
+            <a:r>
+              <a:rPr lang="en-US" sz="2400" dirty="0">
+                <a:latin typeface="Courier"/>
+                <a:cs typeface="Courier"/>
+              </a:rPr>
+              <a:t> </a:t>
+            </a:r>
+            <a:r>
+              <a:rPr lang="en-US" sz="2400" dirty="0" smtClean="0">
+                <a:latin typeface="Courier"/>
+                <a:cs typeface="Courier"/>
+              </a:rPr>
+              <a:t> </a:t>
+            </a:r>
+            <a:r>
+              <a:rPr lang="en-US" sz="2400" dirty="0" smtClean="0">
+                <a:latin typeface="Courier"/>
+                <a:cs typeface="Courier"/>
+              </a:rPr>
+              <a:t>-</a:t>
+            </a:r>
+            <a:r>
+              <a:rPr lang="en-US" sz="2400" dirty="0" smtClean="0">
+                <a:latin typeface="Courier"/>
+                <a:cs typeface="Courier"/>
+              </a:rPr>
+              <a:t>-</a:t>
             </a:r>
             <a:r>
               <a:rPr lang="en-US" sz="2400" dirty="0" err="1" smtClean="0">
@@ -13097,7 +13847,56 @@
                 <a:latin typeface="Courier"/>
                 <a:cs typeface="Courier"/>
               </a:rPr>
-              <a:t> perm \</a:t>
+              <a:t> perm </a:t>
+            </a:r>
+            <a:r>
+              <a:rPr lang="en-US" sz="2400" dirty="0" smtClean="0">
+                <a:latin typeface="Courier"/>
+                <a:cs typeface="Courier"/>
+              </a:rPr>
+              <a:t>-</a:t>
+            </a:r>
+            <a:r>
+              <a:rPr lang="en-US" sz="2400" dirty="0" smtClean="0">
+                <a:latin typeface="Courier"/>
+                <a:cs typeface="Courier"/>
+              </a:rPr>
+              <a:t>-</a:t>
+            </a:r>
+            <a:r>
+              <a:rPr lang="en-US" sz="2400" dirty="0" err="1" smtClean="0">
+                <a:latin typeface="Courier"/>
+                <a:cs typeface="Courier"/>
+              </a:rPr>
+              <a:t>pheno</a:t>
+            </a:r>
+            <a:r>
+              <a:rPr lang="en-US" sz="2400" dirty="0" smtClean="0">
+                <a:latin typeface="Courier"/>
+                <a:cs typeface="Courier"/>
+              </a:rPr>
+              <a:t> </a:t>
+            </a:r>
+            <a:r>
+              <a:rPr lang="en-US" sz="2400" dirty="0" smtClean="0">
+                <a:latin typeface="Courier"/>
+                <a:cs typeface="Courier"/>
+              </a:rPr>
+              <a:t>input/hapmap1/</a:t>
+            </a:r>
+            <a:r>
+              <a:rPr lang="en-US" sz="2400" dirty="0" err="1" smtClean="0">
+                <a:latin typeface="Courier"/>
+                <a:cs typeface="Courier"/>
+              </a:rPr>
+              <a:t>qt.phe</a:t>
+            </a:r>
+            <a:r>
+              <a:rPr lang="en-US" sz="2400" dirty="0" smtClean="0">
+                <a:latin typeface="Courier"/>
+                <a:cs typeface="Courier"/>
+              </a:rPr>
+              <a:t> \</a:t>
             </a:r>
           </a:p>
           <a:p>
@@ -13116,57 +13915,57 @@
                 <a:latin typeface="Courier"/>
                 <a:cs typeface="Courier"/>
               </a:rPr>
-              <a:t> --</a:t>
+              <a:t> </a:t>
+            </a:r>
+            <a:r>
+              <a:rPr lang="en-US" sz="2400" dirty="0" smtClean="0">
+                <a:latin typeface="Courier"/>
+                <a:cs typeface="Courier"/>
+              </a:rPr>
+              <a:t>-</a:t>
+            </a:r>
+            <a:r>
+              <a:rPr lang="en-US" sz="2400" dirty="0" smtClean="0">
+                <a:latin typeface="Courier"/>
+                <a:cs typeface="Courier"/>
+              </a:rPr>
+              <a:t>-within </a:t>
+            </a:r>
+            <a:r>
+              <a:rPr lang="en-US" sz="2400" dirty="0" smtClean="0">
+                <a:latin typeface="Courier"/>
+                <a:cs typeface="Courier"/>
+              </a:rPr>
+              <a:t>input/hapmap1/</a:t>
             </a:r>
             <a:r>
               <a:rPr lang="en-US" sz="2400" dirty="0" err="1" smtClean="0">
                 <a:latin typeface="Courier"/>
                 <a:cs typeface="Courier"/>
               </a:rPr>
-              <a:t>pheno</a:t>
-            </a:r>
-            <a:r>
-              <a:rPr lang="en-US" sz="2400" dirty="0" smtClean="0">
+              <a:t>pop.phe</a:t>
+            </a:r>
+            <a:r>
+              <a:rPr lang="en-US" sz="2400" dirty="0" smtClean="0">
+                <a:latin typeface="Courier"/>
+                <a:cs typeface="Courier"/>
+              </a:rPr>
+              <a:t> \</a:t>
+            </a:r>
+          </a:p>
+          <a:p>
+            <a:pPr marL="0" indent="0">
+              <a:buNone/>
+            </a:pPr>
+            <a:r>
+              <a:rPr lang="en-US" sz="2400" dirty="0">
                 <a:latin typeface="Courier"/>
                 <a:cs typeface="Courier"/>
               </a:rPr>
               <a:t> </a:t>
             </a:r>
             <a:r>
-              <a:rPr lang="en-US" sz="2400" dirty="0" err="1" smtClean="0">
-                <a:latin typeface="Courier"/>
-                <a:cs typeface="Courier"/>
-              </a:rPr>
-              <a:t>qt.phe</a:t>
-            </a:r>
-            <a:r>
-              <a:rPr lang="en-US" sz="2400" dirty="0" smtClean="0">
-                <a:latin typeface="Courier"/>
-                <a:cs typeface="Courier"/>
-              </a:rPr>
-              <a:t> --within </a:t>
-            </a:r>
-            <a:r>
-              <a:rPr lang="en-US" sz="2400" dirty="0" err="1" smtClean="0">
-                <a:latin typeface="Courier"/>
-                <a:cs typeface="Courier"/>
-              </a:rPr>
-              <a:t>pop.phe</a:t>
-            </a:r>
-            <a:r>
-              <a:rPr lang="en-US" sz="2400" dirty="0" smtClean="0">
-                <a:latin typeface="Courier"/>
-                <a:cs typeface="Courier"/>
-              </a:rPr>
-              <a:t> \</a:t>
-            </a:r>
-          </a:p>
-          <a:p>
-            <a:pPr marL="0" indent="0">
-              <a:buNone/>
-            </a:pPr>
-            <a:r>
-              <a:rPr lang="en-US" sz="2400" dirty="0">
+              <a:rPr lang="en-US" sz="2400" dirty="0" smtClean="0">
                 <a:latin typeface="Courier"/>
                 <a:cs typeface="Courier"/>
               </a:rPr>
@@ -13177,8 +13976,26 @@
                 <a:latin typeface="Courier"/>
                 <a:cs typeface="Courier"/>
               </a:rPr>
-              <a:t> --out hapmap1_qt_cond</a:t>
-            </a:r>
+              <a:t>-</a:t>
+            </a:r>
+            <a:r>
+              <a:rPr lang="en-US" sz="2400" dirty="0" smtClean="0">
+                <a:latin typeface="Courier"/>
+                <a:cs typeface="Courier"/>
+              </a:rPr>
+              <a:t>-out </a:t>
+            </a:r>
+            <a:r>
+              <a:rPr lang="en-US" sz="2400" dirty="0" smtClean="0">
+                <a:latin typeface="Courier"/>
+                <a:cs typeface="Courier"/>
+              </a:rPr>
+              <a:t>output/hapmap1_qt_cond</a:t>
+            </a:r>
+            <a:endParaRPr lang="en-US" sz="2400" dirty="0" smtClean="0">
+              <a:latin typeface="Courier"/>
+              <a:cs typeface="Courier"/>
+            </a:endParaRPr>
           </a:p>
         </p:txBody>
       </p:sp>
@@ -13384,7 +14201,7 @@
         </p:spPr>
         <p:txBody>
           <a:bodyPr>
-            <a:normAutofit/>
+            <a:normAutofit lnSpcReduction="10000"/>
           </a:bodyPr>
           <a:lstStyle/>
           <a:p>
@@ -13514,14 +14331,40 @@
                 <a:latin typeface="Courier"/>
                 <a:cs typeface="Courier"/>
               </a:rPr>
-              <a:t>hapmap1_good </a:t>
-            </a:r>
+              <a:t>output/hapmap1_good \</a:t>
+            </a:r>
+          </a:p>
+          <a:p>
+            <a:pPr marL="0" indent="0">
+              <a:buNone/>
+            </a:pPr>
             <a:r>
               <a:rPr lang="en-US" sz="2400" dirty="0">
                 <a:latin typeface="Courier"/>
                 <a:cs typeface="Courier"/>
               </a:rPr>
-              <a:t>--</a:t>
+              <a:t> </a:t>
+            </a:r>
+            <a:r>
+              <a:rPr lang="en-US" sz="2400" dirty="0" smtClean="0">
+                <a:latin typeface="Courier"/>
+                <a:cs typeface="Courier"/>
+              </a:rPr>
+              <a:t> </a:t>
+            </a:r>
+            <a:r>
+              <a:rPr lang="en-US" sz="2400" dirty="0" smtClean="0">
+                <a:latin typeface="Courier"/>
+                <a:cs typeface="Courier"/>
+              </a:rPr>
+              <a:t>-</a:t>
+            </a:r>
+            <a:r>
+              <a:rPr lang="en-US" sz="2400" dirty="0">
+                <a:latin typeface="Courier"/>
+                <a:cs typeface="Courier"/>
+              </a:rPr>
+              <a:t>-</a:t>
             </a:r>
             <a:r>
               <a:rPr lang="en-US" sz="2400" dirty="0" err="1">
@@ -13538,11 +14381,39 @@
               <a:t> </a:t>
             </a:r>
             <a:r>
+              <a:rPr lang="en-US" sz="2400" dirty="0" smtClean="0">
+                <a:latin typeface="Courier"/>
+                <a:cs typeface="Courier"/>
+              </a:rPr>
+              <a:t>input/hapmap1/</a:t>
+            </a:r>
+            <a:r>
+              <a:rPr lang="en-US" sz="2400" dirty="0" err="1" smtClean="0">
+                <a:latin typeface="Courier"/>
+                <a:cs typeface="Courier"/>
+              </a:rPr>
+              <a:t>qt.phe</a:t>
+            </a:r>
+            <a:r>
+              <a:rPr lang="en-US" sz="2400" dirty="0" smtClean="0">
+                <a:latin typeface="Courier"/>
+                <a:cs typeface="Courier"/>
+              </a:rPr>
+              <a:t> -</a:t>
+            </a:r>
+            <a:r>
+              <a:rPr lang="en-US" sz="2400" dirty="0">
+                <a:latin typeface="Courier"/>
+                <a:cs typeface="Courier"/>
+              </a:rPr>
+              <a:t>-</a:t>
+            </a:r>
+            <a:r>
               <a:rPr lang="en-US" sz="2400" dirty="0" err="1">
                 <a:latin typeface="Courier"/>
                 <a:cs typeface="Courier"/>
               </a:rPr>
-              <a:t>qt.phe</a:t>
+              <a:t>gxe</a:t>
             </a:r>
             <a:r>
               <a:rPr lang="en-US" sz="2400" dirty="0">
@@ -13575,7 +14446,14 @@
                 <a:latin typeface="Courier"/>
                 <a:cs typeface="Courier"/>
               </a:rPr>
-              <a:t> -</a:t>
+              <a:t> </a:t>
+            </a:r>
+            <a:r>
+              <a:rPr lang="en-US" sz="2400" dirty="0" smtClean="0">
+                <a:latin typeface="Courier"/>
+                <a:cs typeface="Courier"/>
+              </a:rPr>
+              <a:t>-</a:t>
             </a:r>
             <a:r>
               <a:rPr lang="en-US" sz="2400" dirty="0">
@@ -13589,97 +14467,129 @@
                 <a:latin typeface="Courier"/>
                 <a:cs typeface="Courier"/>
               </a:rPr>
-              <a:t>gxe</a:t>
+              <a:t>covar</a:t>
             </a:r>
             <a:r>
               <a:rPr lang="en-US" sz="2400" dirty="0">
                 <a:latin typeface="Courier"/>
                 <a:cs typeface="Courier"/>
               </a:rPr>
-              <a:t> --</a:t>
+              <a:t> </a:t>
+            </a:r>
+            <a:r>
+              <a:rPr lang="en-US" sz="2400" dirty="0" smtClean="0">
+                <a:latin typeface="Courier"/>
+                <a:cs typeface="Courier"/>
+              </a:rPr>
+              <a:t>input/hapmap1/</a:t>
+            </a:r>
+            <a:r>
+              <a:rPr lang="en-US" sz="2400" dirty="0" err="1" smtClean="0">
+                <a:latin typeface="Courier"/>
+                <a:cs typeface="Courier"/>
+              </a:rPr>
+              <a:t>pop.phe</a:t>
+            </a:r>
+            <a:r>
+              <a:rPr lang="en-US" sz="2400" dirty="0" smtClean="0">
+                <a:latin typeface="Courier"/>
+                <a:cs typeface="Courier"/>
+              </a:rPr>
+              <a:t> \</a:t>
+            </a:r>
+          </a:p>
+          <a:p>
+            <a:pPr marL="0" indent="0">
+              <a:buNone/>
+            </a:pPr>
+            <a:r>
+              <a:rPr lang="en-US" sz="2400" dirty="0">
+                <a:latin typeface="Courier"/>
+                <a:cs typeface="Courier"/>
+              </a:rPr>
+              <a:t> </a:t>
+            </a:r>
+            <a:r>
+              <a:rPr lang="en-US" sz="2400" dirty="0" smtClean="0">
+                <a:latin typeface="Courier"/>
+                <a:cs typeface="Courier"/>
+              </a:rPr>
+              <a:t> </a:t>
+            </a:r>
+            <a:r>
+              <a:rPr lang="en-US" sz="2400" dirty="0" smtClean="0">
+                <a:latin typeface="Courier"/>
+                <a:cs typeface="Courier"/>
+              </a:rPr>
+              <a:t>-</a:t>
+            </a:r>
+            <a:r>
+              <a:rPr lang="en-US" sz="2400" dirty="0">
+                <a:latin typeface="Courier"/>
+                <a:cs typeface="Courier"/>
+              </a:rPr>
+              <a:t>-</a:t>
             </a:r>
             <a:r>
               <a:rPr lang="en-US" sz="2400" dirty="0" err="1">
                 <a:latin typeface="Courier"/>
                 <a:cs typeface="Courier"/>
               </a:rPr>
-              <a:t>covar</a:t>
+              <a:t>snp</a:t>
             </a:r>
             <a:r>
               <a:rPr lang="en-US" sz="2400" dirty="0">
                 <a:latin typeface="Courier"/>
                 <a:cs typeface="Courier"/>
               </a:rPr>
-              <a:t> </a:t>
-            </a:r>
-            <a:r>
-              <a:rPr lang="en-US" sz="2400" dirty="0" err="1">
-                <a:latin typeface="Courier"/>
-                <a:cs typeface="Courier"/>
-              </a:rPr>
-              <a:t>pop.phe</a:t>
+              <a:t> rs2222162 </a:t>
+            </a:r>
+            <a:r>
+              <a:rPr lang="en-US" sz="2400" dirty="0" smtClean="0">
+                <a:latin typeface="Courier"/>
+                <a:cs typeface="Courier"/>
+              </a:rPr>
+              <a:t>-</a:t>
             </a:r>
             <a:r>
               <a:rPr lang="en-US" sz="2400" dirty="0">
                 <a:latin typeface="Courier"/>
                 <a:cs typeface="Courier"/>
               </a:rPr>
-              <a:t> --</a:t>
-            </a:r>
-            <a:r>
-              <a:rPr lang="en-US" sz="2400" dirty="0" err="1">
-                <a:latin typeface="Courier"/>
-                <a:cs typeface="Courier"/>
-              </a:rPr>
-              <a:t>snp</a:t>
-            </a:r>
+              <a:t>-out </a:t>
+            </a:r>
+            <a:r>
+              <a:rPr lang="en-US" sz="2400" dirty="0" smtClean="0">
+                <a:latin typeface="Courier"/>
+                <a:cs typeface="Courier"/>
+              </a:rPr>
+              <a:t>output/rs2222162_diff</a:t>
+            </a:r>
+          </a:p>
+          <a:p>
+            <a:pPr marL="0" indent="0">
+              <a:buNone/>
+            </a:pPr>
+            <a:endParaRPr lang="en-US" sz="2400" dirty="0" smtClean="0">
+              <a:latin typeface="Courier"/>
+              <a:cs typeface="Courier"/>
+            </a:endParaRPr>
+          </a:p>
+          <a:p>
+            <a:pPr marL="0" indent="0">
+              <a:buNone/>
+            </a:pPr>
             <a:r>
               <a:rPr lang="en-US" sz="2400" dirty="0">
                 <a:latin typeface="Courier"/>
                 <a:cs typeface="Courier"/>
               </a:rPr>
-              <a:t> rs2222162 </a:t>
-            </a:r>
-            <a:r>
-              <a:rPr lang="en-US" sz="2400" dirty="0" smtClean="0">
-                <a:latin typeface="Courier"/>
-                <a:cs typeface="Courier"/>
-              </a:rPr>
-              <a:t>\</a:t>
-            </a:r>
-          </a:p>
-          <a:p>
-            <a:pPr marL="0" indent="0">
-              <a:buNone/>
-            </a:pPr>
-            <a:r>
-              <a:rPr lang="en-US" sz="2400" dirty="0">
-                <a:latin typeface="Courier"/>
-                <a:cs typeface="Courier"/>
-              </a:rPr>
-              <a:t> </a:t>
-            </a:r>
-            <a:r>
-              <a:rPr lang="en-US" sz="2400" dirty="0" smtClean="0">
-                <a:latin typeface="Courier"/>
-                <a:cs typeface="Courier"/>
-              </a:rPr>
-              <a:t> -</a:t>
-            </a:r>
-            <a:r>
-              <a:rPr lang="en-US" sz="2400" dirty="0">
-                <a:latin typeface="Courier"/>
-                <a:cs typeface="Courier"/>
-              </a:rPr>
-              <a:t>-out </a:t>
-            </a:r>
-            <a:r>
-              <a:rPr lang="en-US" sz="2400" dirty="0" smtClean="0">
-                <a:latin typeface="Courier"/>
-                <a:cs typeface="Courier"/>
-              </a:rPr>
-              <a:t>rs2222162_diff</a:t>
-            </a:r>
+              <a:t>.</a:t>
+            </a:r>
+            <a:endParaRPr lang="en-US" sz="2400" dirty="0">
+              <a:latin typeface="Courier"/>
+              <a:cs typeface="Courier"/>
+            </a:endParaRPr>
           </a:p>
         </p:txBody>
       </p:sp>
@@ -13699,7 +14609,7 @@
         </p:blipFill>
         <p:spPr>
           <a:xfrm>
-            <a:off x="88900" y="5981700"/>
+            <a:off x="88900" y="6197600"/>
             <a:ext cx="8928100" cy="431800"/>
           </a:xfrm>
           <a:prstGeom prst="rect">
@@ -15087,7 +15997,21 @@
                 <a:latin typeface="Courier"/>
                 <a:cs typeface="Courier"/>
               </a:rPr>
-              <a:t> hapmap1 --</a:t>
+              <a:t> </a:t>
+            </a:r>
+            <a:r>
+              <a:rPr lang="en-US" sz="2400" dirty="0" smtClean="0">
+                <a:latin typeface="Courier"/>
+                <a:cs typeface="Courier"/>
+              </a:rPr>
+              <a:t>output/hapmap1_good </a:t>
+            </a:r>
+            <a:r>
+              <a:rPr lang="en-US" sz="2400" dirty="0">
+                <a:latin typeface="Courier"/>
+                <a:cs typeface="Courier"/>
+              </a:rPr>
+              <a:t>--</a:t>
             </a:r>
             <a:r>
               <a:rPr lang="en-US" sz="2400" dirty="0" err="1">
@@ -15898,7 +16822,7 @@
         </p:spPr>
         <p:txBody>
           <a:bodyPr>
-            <a:normAutofit lnSpcReduction="10000"/>
+            <a:normAutofit fontScale="92500" lnSpcReduction="10000"/>
           </a:bodyPr>
           <a:lstStyle/>
           <a:p>
@@ -15970,11 +16894,58 @@
               <a:t>$ python </a:t>
             </a:r>
             <a:r>
-              <a:rPr lang="en-US" sz="2400" dirty="0" smtClean="0">
-                <a:latin typeface="Courier"/>
-                <a:cs typeface="Courier"/>
-              </a:rPr>
-              <a:t>-o output/</a:t>
+              <a:rPr lang="en-US" sz="2400" dirty="0">
+                <a:latin typeface="Courier"/>
+                <a:cs typeface="Courier"/>
+              </a:rPr>
+              <a:t>scripts/</a:t>
+            </a:r>
+            <a:r>
+              <a:rPr lang="en-US" sz="2400" dirty="0" err="1">
+                <a:latin typeface="Courier"/>
+                <a:cs typeface="Courier"/>
+              </a:rPr>
+              <a:t>CANVIS.py</a:t>
+            </a:r>
+            <a:r>
+              <a:rPr lang="en-US" sz="2400" dirty="0">
+                <a:latin typeface="Courier"/>
+                <a:cs typeface="Courier"/>
+              </a:rPr>
+              <a:t> </a:t>
+            </a:r>
+            <a:r>
+              <a:rPr lang="en-US" sz="2400" dirty="0" smtClean="0">
+                <a:latin typeface="Courier"/>
+                <a:cs typeface="Courier"/>
+              </a:rPr>
+              <a:t>\</a:t>
+            </a:r>
+          </a:p>
+          <a:p>
+            <a:pPr marL="0" indent="0">
+              <a:buNone/>
+            </a:pPr>
+            <a:r>
+              <a:rPr lang="en-US" sz="2400" dirty="0">
+                <a:latin typeface="Courier"/>
+                <a:cs typeface="Courier"/>
+              </a:rPr>
+              <a:t> </a:t>
+            </a:r>
+            <a:r>
+              <a:rPr lang="en-US" sz="2400" dirty="0" smtClean="0">
+                <a:latin typeface="Courier"/>
+                <a:cs typeface="Courier"/>
+              </a:rPr>
+              <a:t> -</a:t>
+            </a:r>
+            <a:r>
+              <a:rPr lang="en-US" sz="2400" dirty="0" smtClean="0">
+                <a:latin typeface="Courier"/>
+                <a:cs typeface="Courier"/>
+              </a:rPr>
+              <a:t>o output/</a:t>
             </a:r>
             <a:r>
               <a:rPr lang="en-US" sz="2400" dirty="0" err="1" smtClean="0">
@@ -15988,18 +16959,69 @@
                 <a:latin typeface="Courier"/>
                 <a:cs typeface="Courier"/>
               </a:rPr>
-              <a:t> \</a:t>
-            </a:r>
+              <a:t> </a:t>
+            </a:r>
+            <a:r>
+              <a:rPr lang="en-US" sz="2400" dirty="0" smtClean="0">
+                <a:latin typeface="Courier"/>
+                <a:cs typeface="Courier"/>
+              </a:rPr>
+              <a:t>\</a:t>
+            </a:r>
+            <a:endParaRPr lang="en-US" sz="2400" dirty="0" smtClean="0">
+              <a:latin typeface="Courier"/>
+              <a:cs typeface="Courier"/>
+            </a:endParaRPr>
           </a:p>
           <a:p>
             <a:pPr marL="0" indent="0">
               <a:buNone/>
             </a:pPr>
             <a:r>
+              <a:rPr lang="en-US" sz="2400" dirty="0" smtClean="0">
+                <a:latin typeface="Courier"/>
+                <a:cs typeface="Courier"/>
+              </a:rPr>
+              <a:t>  -</a:t>
+            </a:r>
+            <a:r>
               <a:rPr lang="en-US" sz="2400" dirty="0">
                 <a:latin typeface="Courier"/>
                 <a:cs typeface="Courier"/>
               </a:rPr>
+              <a:t>l input/</a:t>
+            </a:r>
+            <a:r>
+              <a:rPr lang="en-US" sz="2400" dirty="0" err="1">
+                <a:latin typeface="Courier"/>
+                <a:cs typeface="Courier"/>
+              </a:rPr>
+              <a:t>CANvis_Sample</a:t>
+            </a:r>
+            <a:r>
+              <a:rPr lang="en-US" sz="2400" dirty="0">
+                <a:latin typeface="Courier"/>
+                <a:cs typeface="Courier"/>
+              </a:rPr>
+              <a:t>/chr4</a:t>
+            </a:r>
+            <a:r>
+              <a:rPr lang="en-US" sz="2400" dirty="0" smtClean="0">
+                <a:latin typeface="Courier"/>
+                <a:cs typeface="Courier"/>
+              </a:rPr>
+              <a:t>.rs6831256.post \</a:t>
+            </a:r>
+          </a:p>
+          <a:p>
+            <a:pPr marL="0" indent="0">
+              <a:buNone/>
+            </a:pPr>
+            <a:r>
+              <a:rPr lang="en-US" sz="2400" dirty="0">
+                <a:latin typeface="Courier"/>
+                <a:cs typeface="Courier"/>
+              </a:rPr>
               <a:t> </a:t>
             </a:r>
             <a:r>
@@ -16007,56 +17029,21 @@
                 <a:latin typeface="Courier"/>
                 <a:cs typeface="Courier"/>
               </a:rPr>
-              <a:t> /</a:t>
-            </a:r>
-            <a:r>
-              <a:rPr lang="en-US" sz="2400" dirty="0" err="1" smtClean="0">
-                <a:latin typeface="Courier"/>
-                <a:cs typeface="Courier"/>
-              </a:rPr>
-              <a:t>usr</a:t>
-            </a:r>
-            <a:r>
-              <a:rPr lang="en-US" sz="2400" dirty="0" smtClean="0">
-                <a:latin typeface="Courier"/>
-                <a:cs typeface="Courier"/>
-              </a:rPr>
-              <a:t>/local/</a:t>
-            </a:r>
-            <a:r>
-              <a:rPr lang="en-US" sz="2400" dirty="0" err="1" smtClean="0">
-                <a:latin typeface="Courier"/>
-                <a:cs typeface="Courier"/>
-              </a:rPr>
-              <a:t>bioinf</a:t>
-            </a:r>
-            <a:r>
-              <a:rPr lang="en-US" sz="2400" dirty="0" smtClean="0">
-                <a:latin typeface="Courier"/>
-                <a:cs typeface="Courier"/>
-              </a:rPr>
-              <a:t>/</a:t>
-            </a:r>
-            <a:r>
-              <a:rPr lang="en-US" sz="2400" dirty="0" err="1" smtClean="0">
-                <a:latin typeface="Courier"/>
-                <a:cs typeface="Courier"/>
-              </a:rPr>
-              <a:t>paintor</a:t>
-            </a:r>
-            <a:r>
-              <a:rPr lang="en-US" sz="2400" dirty="0" smtClean="0">
-                <a:latin typeface="Courier"/>
-                <a:cs typeface="Courier"/>
-              </a:rPr>
-              <a:t>/CANVIS/</a:t>
+              <a:t> -</a:t>
+            </a:r>
+            <a:r>
+              <a:rPr lang="en-US" sz="2400" dirty="0">
+                <a:latin typeface="Courier"/>
+                <a:cs typeface="Courier"/>
+              </a:rPr>
+              <a:t>z </a:t>
             </a:r>
             <a:r>
               <a:rPr lang="en-US" sz="2400" dirty="0" err="1">
                 <a:latin typeface="Courier"/>
                 <a:cs typeface="Courier"/>
               </a:rPr>
-              <a:t>CANVIS.py</a:t>
+              <a:t>ldl.Zscore</a:t>
             </a:r>
             <a:r>
               <a:rPr lang="en-US" sz="2400" dirty="0">
@@ -16078,18 +17065,25 @@
               <a:buNone/>
             </a:pPr>
             <a:r>
-              <a:rPr lang="en-US" sz="2400" dirty="0" smtClean="0">
-                <a:latin typeface="Courier"/>
-                <a:cs typeface="Courier"/>
-              </a:rPr>
-              <a:t>  -</a:t>
-            </a:r>
-            <a:r>
               <a:rPr lang="en-US" sz="2400" dirty="0">
                 <a:latin typeface="Courier"/>
                 <a:cs typeface="Courier"/>
               </a:rPr>
-              <a:t>l input/</a:t>
+              <a:t> </a:t>
+            </a:r>
+            <a:r>
+              <a:rPr lang="en-US" sz="2400" dirty="0" smtClean="0">
+                <a:latin typeface="Courier"/>
+                <a:cs typeface="Courier"/>
+              </a:rPr>
+              <a:t> -</a:t>
+            </a:r>
+            <a:r>
+              <a:rPr lang="en-US" sz="2400" dirty="0">
+                <a:latin typeface="Courier"/>
+                <a:cs typeface="Courier"/>
+              </a:rPr>
+              <a:t>r input/</a:t>
             </a:r>
             <a:r>
               <a:rPr lang="en-US" sz="2400" dirty="0" err="1">
@@ -16110,101 +17104,7 @@
                 <a:latin typeface="Courier"/>
                 <a:cs typeface="Courier"/>
               </a:rPr>
-              <a:t>.rs6831256.post \</a:t>
-            </a:r>
-          </a:p>
-          <a:p>
-            <a:pPr marL="0" indent="0">
-              <a:buNone/>
-            </a:pPr>
-            <a:r>
-              <a:rPr lang="en-US" sz="2400" dirty="0">
-                <a:latin typeface="Courier"/>
-                <a:cs typeface="Courier"/>
-              </a:rPr>
-              <a:t> </a:t>
-            </a:r>
-            <a:r>
-              <a:rPr lang="en-US" sz="2400" dirty="0" smtClean="0">
-                <a:latin typeface="Courier"/>
-                <a:cs typeface="Courier"/>
-              </a:rPr>
-              <a:t> -</a:t>
-            </a:r>
-            <a:r>
-              <a:rPr lang="en-US" sz="2400" dirty="0">
-                <a:latin typeface="Courier"/>
-                <a:cs typeface="Courier"/>
-              </a:rPr>
-              <a:t>z </a:t>
-            </a:r>
-            <a:r>
-              <a:rPr lang="en-US" sz="2400" dirty="0" err="1">
-                <a:latin typeface="Courier"/>
-                <a:cs typeface="Courier"/>
-              </a:rPr>
-              <a:t>ldl.Zscore</a:t>
-            </a:r>
-            <a:r>
-              <a:rPr lang="en-US" sz="2400" dirty="0">
-                <a:latin typeface="Courier"/>
-                <a:cs typeface="Courier"/>
-              </a:rPr>
-              <a:t> </a:t>
-            </a:r>
-            <a:r>
-              <a:rPr lang="en-US" sz="2400" dirty="0" smtClean="0">
-                <a:latin typeface="Courier"/>
-                <a:cs typeface="Courier"/>
-              </a:rPr>
-              <a:t>\</a:t>
-            </a:r>
-          </a:p>
-          <a:p>
-            <a:pPr marL="0" indent="0">
-              <a:buNone/>
-            </a:pPr>
-            <a:r>
-              <a:rPr lang="en-US" sz="2400" dirty="0">
-                <a:latin typeface="Courier"/>
-                <a:cs typeface="Courier"/>
-              </a:rPr>
-              <a:t> </a:t>
-            </a:r>
-            <a:r>
-              <a:rPr lang="en-US" sz="2400" dirty="0" smtClean="0">
-                <a:latin typeface="Courier"/>
-                <a:cs typeface="Courier"/>
-              </a:rPr>
-              <a:t> -</a:t>
-            </a:r>
-            <a:r>
-              <a:rPr lang="en-US" sz="2400" dirty="0">
-                <a:latin typeface="Courier"/>
-                <a:cs typeface="Courier"/>
-              </a:rPr>
-              <a:t>r input/</a:t>
-            </a:r>
-            <a:r>
-              <a:rPr lang="en-US" sz="2400" dirty="0" err="1">
-                <a:latin typeface="Courier"/>
-                <a:cs typeface="Courier"/>
-              </a:rPr>
-              <a:t>CANvis_Sample</a:t>
-            </a:r>
-            <a:r>
-              <a:rPr lang="en-US" sz="2400" dirty="0">
-                <a:latin typeface="Courier"/>
-                <a:cs typeface="Courier"/>
-              </a:rPr>
-              <a:t>/chr4</a:t>
-            </a:r>
-            <a:r>
-              <a:rPr lang="en-US" sz="2400" dirty="0" smtClean="0">
-                <a:latin typeface="Courier"/>
-                <a:cs typeface="Courier"/>
-              </a:rPr>
-              <a:t>. rs6831256</a:t>
+              <a:t>.rs6831256</a:t>
             </a:r>
             <a:r>
               <a:rPr lang="en-US" sz="2400" dirty="0">
@@ -16576,11 +17476,7 @@
           <a:p>
             <a:r>
               <a:rPr lang="en-US" dirty="0" smtClean="0"/>
-              <a:t>Also available for laboratory mouse studies </a:t>
-            </a:r>
-            <a:r>
-              <a:rPr lang="en-US" dirty="0" smtClean="0"/>
-              <a:t>(</a:t>
+              <a:t>Also available for laboratory mouse studies (</a:t>
             </a:r>
             <a:r>
               <a:rPr lang="en-US" dirty="0" err="1" smtClean="0"/>
